--- a/presentations/Chris_Su_Elevator_Pitch.pptx
+++ b/presentations/Chris_Su_Elevator_Pitch.pptx
@@ -6458,7 +6458,7 @@
             <a:pPr algn="ctr"/>
             <a:r>
               <a:rPr lang="en-US" sz="2800" b="1" dirty="0"/>
-              <a:t>Quantum Preprocessing Layer for 3D-SAS CNN</a:t>
+              <a:t>Preprocessing Optimization for Synthetic Aperture Data Classification and Detection</a:t>
             </a:r>
           </a:p>
         </p:txBody>
@@ -6595,7 +6595,7 @@
         </p:nvSpPr>
         <p:spPr bwMode="auto">
           <a:xfrm>
-            <a:off x="2302062" y="791613"/>
+            <a:off x="2302062" y="857882"/>
             <a:ext cx="7587874" cy="531920"/>
           </a:xfrm>
           <a:prstGeom prst="rect">
@@ -6958,7 +6958,7 @@
         </p:nvSpPr>
         <p:spPr>
           <a:xfrm>
-            <a:off x="9476478" y="6208943"/>
+            <a:off x="9467607" y="6311900"/>
             <a:ext cx="1947557" cy="461665"/>
           </a:xfrm>
           <a:prstGeom prst="rect">
@@ -7291,7 +7291,7 @@
                 <a:latin typeface="Al Nile" pitchFamily="2" charset="-78"/>
                 <a:cs typeface="Al Nile" pitchFamily="2" charset="-78"/>
               </a:rPr>
-              <a:t>EXPECTED RESULTS</a:t>
+              <a:t>PRELIMINARY RESULTS</a:t>
             </a:r>
           </a:p>
         </p:txBody>
@@ -7310,7 +7310,7 @@
         </p:nvSpPr>
         <p:spPr>
           <a:xfrm>
-            <a:off x="246744" y="3012063"/>
+            <a:off x="246745" y="4220921"/>
             <a:ext cx="3779939" cy="369332"/>
           </a:xfrm>
           <a:prstGeom prst="rect">
@@ -7392,8 +7392,8 @@
         </p:nvSpPr>
         <p:spPr>
           <a:xfrm>
-            <a:off x="246744" y="2008229"/>
-            <a:ext cx="3779939" cy="1077218"/>
+            <a:off x="213512" y="1905030"/>
+            <a:ext cx="3779939" cy="2308324"/>
           </a:xfrm>
           <a:prstGeom prst="rect">
             <a:avLst/>
@@ -7412,11 +7412,18 @@
             </a:pPr>
             <a:r>
               <a:rPr lang="en-US" sz="1600" dirty="0"/>
-              <a:t>Unexploded ordnances (bombs) left by military activity in bodies of water pose an active threat </a:t>
-            </a:r>
-          </a:p>
-          <a:p>
-            <a:endParaRPr lang="en-US" sz="1600" dirty="0"/>
+              <a:t>Preprocessing data is crucial for the performance of statistical techniques in ML. Preprocessing layers have successfully been added to CNNs to improve PRAUC score [1]. </a:t>
+            </a:r>
+          </a:p>
+          <a:p>
+            <a:pPr marL="285750" indent="-285750">
+              <a:buFont typeface="Wingdings" pitchFamily="2" charset="2"/>
+              <a:buChar char="Ø"/>
+            </a:pPr>
+            <a:r>
+              <a:rPr lang="en-US" sz="1600" dirty="0"/>
+              <a:t>Increasing fidelity of quantum computers in recent years has produced new opportunities for efficiency and precision recall score optimization.</a:t>
+            </a:r>
           </a:p>
         </p:txBody>
       </p:sp>
@@ -7434,16 +7441,15 @@
           </p:cNvPicPr>
           <p:nvPr/>
         </p:nvPicPr>
-        <p:blipFill>
+        <p:blipFill rotWithShape="1">
           <a:blip r:embed="rId7"/>
-          <a:stretch>
-            <a:fillRect/>
-          </a:stretch>
+          <a:srcRect t="46190"/>
+          <a:stretch/>
         </p:blipFill>
         <p:spPr>
           <a:xfrm>
-            <a:off x="6078763" y="1898078"/>
-            <a:ext cx="1732826" cy="2141342"/>
+            <a:off x="4067001" y="2586082"/>
+            <a:ext cx="1732826" cy="1152263"/>
           </a:xfrm>
           <a:prstGeom prst="rect">
             <a:avLst/>
@@ -7464,8 +7470,8 @@
         </p:nvSpPr>
         <p:spPr>
           <a:xfrm>
-            <a:off x="246744" y="3540456"/>
-            <a:ext cx="3779939" cy="1323439"/>
+            <a:off x="213512" y="4640017"/>
+            <a:ext cx="3779939" cy="1077218"/>
           </a:xfrm>
           <a:prstGeom prst="rect">
             <a:avLst/>
@@ -7484,7 +7490,7 @@
             </a:pPr>
             <a:r>
               <a:rPr lang="en-US" sz="1600" dirty="0"/>
-              <a:t>Develop algorithms with improved efficiency and accuracy</a:t>
+              <a:t>Develop preprocessing layers to improve efficiency and accuracy</a:t>
             </a:r>
           </a:p>
           <a:p>
@@ -7494,11 +7500,8 @@
             </a:pPr>
             <a:r>
               <a:rPr lang="en-US" sz="1600" dirty="0"/>
-              <a:t>Classify targets and non-targets in 3-D sonar data (Fig. 1)</a:t>
-            </a:r>
-          </a:p>
-          <a:p>
-            <a:endParaRPr lang="en-US" sz="1600" dirty="0"/>
+              <a:t>Classify targets and non-targets in 3D sonar data (Figure 1)</a:t>
+            </a:r>
           </a:p>
         </p:txBody>
       </p:sp>
@@ -7524,8 +7527,8 @@
         </p:blipFill>
         <p:spPr>
           <a:xfrm>
-            <a:off x="460523" y="4731586"/>
-            <a:ext cx="3138815" cy="1405341"/>
+            <a:off x="2355434" y="5459602"/>
+            <a:ext cx="1838260" cy="823044"/>
           </a:xfrm>
           <a:prstGeom prst="rect">
             <a:avLst/>
@@ -7537,130 +7540,6 @@
           </a:ln>
         </p:spPr>
       </p:pic>
-      <p:sp>
-        <p:nvSpPr>
-          <p:cNvPr id="41" name="TextBox 40">
-            <a:extLst>
-              <a:ext uri="{FF2B5EF4-FFF2-40B4-BE49-F238E27FC236}">
-                <a16:creationId xmlns:a16="http://schemas.microsoft.com/office/drawing/2014/main" id="{D98F4C71-E6F5-33DB-8027-397085C0CB4E}"/>
-              </a:ext>
-            </a:extLst>
-          </p:cNvPr>
-          <p:cNvSpPr txBox="1"/>
-          <p:nvPr/>
-        </p:nvSpPr>
-        <p:spPr>
-          <a:xfrm>
-            <a:off x="4133465" y="1976895"/>
-            <a:ext cx="1962535" cy="4031873"/>
-          </a:xfrm>
-          <a:prstGeom prst="rect">
-            <a:avLst/>
-          </a:prstGeom>
-          <a:noFill/>
-        </p:spPr>
-        <p:txBody>
-          <a:bodyPr wrap="square" rtlCol="0">
-            <a:spAutoFit/>
-          </a:bodyPr>
-          <a:lstStyle/>
-          <a:p>
-            <a:r>
-              <a:rPr lang="en-US" sz="1600" b="1" dirty="0"/>
-              <a:t>Proposed hybrid architecture:</a:t>
-            </a:r>
-          </a:p>
-          <a:p>
-            <a:endParaRPr lang="en-US" sz="1600" dirty="0"/>
-          </a:p>
-          <a:p>
-            <a:r>
-              <a:rPr lang="en-US" sz="1600" dirty="0"/>
-              <a:t>Quantum Preprocessing Layer (Fig. 2)</a:t>
-            </a:r>
-          </a:p>
-          <a:p>
-            <a:pPr marL="285750" indent="-285750">
-              <a:buFont typeface="Wingdings" pitchFamily="2" charset="2"/>
-              <a:buChar char="Ø"/>
-            </a:pPr>
-            <a:endParaRPr lang="en-US" sz="1600" dirty="0">
-              <a:sym typeface="Wingdings" pitchFamily="2" charset="2"/>
-            </a:endParaRPr>
-          </a:p>
-          <a:p>
-            <a:r>
-              <a:rPr lang="en-US" sz="1600" dirty="0">
-                <a:sym typeface="Wingdings" pitchFamily="2" charset="2"/>
-              </a:rPr>
-              <a:t>Classical Preprocessing Layer (Fig. 3)</a:t>
-            </a:r>
-          </a:p>
-          <a:p>
-            <a:endParaRPr lang="en-US" sz="1600" dirty="0">
-              <a:sym typeface="Wingdings" pitchFamily="2" charset="2"/>
-            </a:endParaRPr>
-          </a:p>
-          <a:p>
-            <a:r>
-              <a:rPr lang="en-US" sz="1600" dirty="0">
-                <a:sym typeface="Wingdings" pitchFamily="2" charset="2"/>
-              </a:rPr>
-              <a:t>Feeds into:</a:t>
-            </a:r>
-          </a:p>
-          <a:p>
-            <a:pPr marL="285750" indent="-285750">
-              <a:buFont typeface="Wingdings" pitchFamily="2" charset="2"/>
-              <a:buChar char="Ø"/>
-            </a:pPr>
-            <a:endParaRPr lang="en-US" sz="1600" dirty="0">
-              <a:sym typeface="Wingdings" pitchFamily="2" charset="2"/>
-            </a:endParaRPr>
-          </a:p>
-          <a:p>
-            <a:r>
-              <a:rPr lang="en-US" sz="1600" dirty="0"/>
-              <a:t>Classical Convolutional Neural Network (Fig. 4) </a:t>
-            </a:r>
-          </a:p>
-        </p:txBody>
-      </p:sp>
-      <p:sp>
-        <p:nvSpPr>
-          <p:cNvPr id="42" name="TextBox 41">
-            <a:extLst>
-              <a:ext uri="{FF2B5EF4-FFF2-40B4-BE49-F238E27FC236}">
-                <a16:creationId xmlns:a16="http://schemas.microsoft.com/office/drawing/2014/main" id="{6C0C7DEE-AEB4-5943-FBCA-69DE615149EE}"/>
-              </a:ext>
-            </a:extLst>
-          </p:cNvPr>
-          <p:cNvSpPr txBox="1"/>
-          <p:nvPr/>
-        </p:nvSpPr>
-        <p:spPr>
-          <a:xfrm>
-            <a:off x="6628435" y="3948260"/>
-            <a:ext cx="1004442" cy="261610"/>
-          </a:xfrm>
-          <a:prstGeom prst="rect">
-            <a:avLst/>
-          </a:prstGeom>
-          <a:noFill/>
-        </p:spPr>
-        <p:txBody>
-          <a:bodyPr wrap="square" rtlCol="0">
-            <a:spAutoFit/>
-          </a:bodyPr>
-          <a:lstStyle/>
-          <a:p>
-            <a:r>
-              <a:rPr lang="en-US" sz="1100" b="1" dirty="0"/>
-              <a:t>Figure 2.</a:t>
-            </a:r>
-          </a:p>
-        </p:txBody>
-      </p:sp>
       <p:pic>
         <p:nvPicPr>
           <p:cNvPr id="44" name="Picture 43" descr="A close-up of a diagram&#10;&#10;Description automatically generated">
@@ -7682,8 +7561,8 @@
         </p:blipFill>
         <p:spPr>
           <a:xfrm>
-            <a:off x="5883971" y="4255329"/>
-            <a:ext cx="2122409" cy="645048"/>
+            <a:off x="5864068" y="1992818"/>
+            <a:ext cx="2136149" cy="649224"/>
           </a:xfrm>
           <a:prstGeom prst="rect">
             <a:avLst/>
@@ -7704,7 +7583,7 @@
         </p:nvSpPr>
         <p:spPr>
           <a:xfrm>
-            <a:off x="2938852" y="6131019"/>
+            <a:off x="2915459" y="6261824"/>
             <a:ext cx="1004442" cy="261610"/>
           </a:xfrm>
           <a:prstGeom prst="rect">
@@ -7721,41 +7600,6 @@
             <a:r>
               <a:rPr lang="en-US" sz="1100" b="1" dirty="0"/>
               <a:t>Figure 1.</a:t>
-            </a:r>
-          </a:p>
-        </p:txBody>
-      </p:sp>
-      <p:sp>
-        <p:nvSpPr>
-          <p:cNvPr id="46" name="TextBox 45">
-            <a:extLst>
-              <a:ext uri="{FF2B5EF4-FFF2-40B4-BE49-F238E27FC236}">
-                <a16:creationId xmlns:a16="http://schemas.microsoft.com/office/drawing/2014/main" id="{5552BDF7-9B50-1B8E-280D-1FFB23EEA080}"/>
-              </a:ext>
-            </a:extLst>
-          </p:cNvPr>
-          <p:cNvSpPr txBox="1"/>
-          <p:nvPr/>
-        </p:nvSpPr>
-        <p:spPr>
-          <a:xfrm>
-            <a:off x="6627170" y="4809294"/>
-            <a:ext cx="1004442" cy="261610"/>
-          </a:xfrm>
-          <a:prstGeom prst="rect">
-            <a:avLst/>
-          </a:prstGeom>
-          <a:noFill/>
-        </p:spPr>
-        <p:txBody>
-          <a:bodyPr wrap="square" rtlCol="0">
-            <a:spAutoFit/>
-          </a:bodyPr>
-          <a:lstStyle/>
-          <a:p>
-            <a:r>
-              <a:rPr lang="en-US" sz="1100" b="1" dirty="0"/>
-              <a:t>Figure 3.</a:t>
             </a:r>
           </a:p>
         </p:txBody>
@@ -7782,7 +7626,7 @@
         </p:blipFill>
         <p:spPr>
           <a:xfrm>
-            <a:off x="6883370" y="5130479"/>
+            <a:off x="5581052" y="4302394"/>
             <a:ext cx="1054647" cy="1032047"/>
           </a:xfrm>
           <a:prstGeom prst="rect">
@@ -7790,95 +7634,6 @@
           </a:prstGeom>
         </p:spPr>
       </p:pic>
-      <p:sp>
-        <p:nvSpPr>
-          <p:cNvPr id="49" name="TextBox 48">
-            <a:extLst>
-              <a:ext uri="{FF2B5EF4-FFF2-40B4-BE49-F238E27FC236}">
-                <a16:creationId xmlns:a16="http://schemas.microsoft.com/office/drawing/2014/main" id="{B8E52090-9DB9-BD19-A484-76286AEC4C42}"/>
-              </a:ext>
-            </a:extLst>
-          </p:cNvPr>
-          <p:cNvSpPr txBox="1"/>
-          <p:nvPr/>
-        </p:nvSpPr>
-        <p:spPr>
-          <a:xfrm>
-            <a:off x="6289839" y="5590192"/>
-            <a:ext cx="1004442" cy="261610"/>
-          </a:xfrm>
-          <a:prstGeom prst="rect">
-            <a:avLst/>
-          </a:prstGeom>
-          <a:noFill/>
-        </p:spPr>
-        <p:txBody>
-          <a:bodyPr wrap="square" rtlCol="0">
-            <a:spAutoFit/>
-          </a:bodyPr>
-          <a:lstStyle/>
-          <a:p>
-            <a:r>
-              <a:rPr lang="en-US" sz="1100" b="1" dirty="0"/>
-              <a:t>Figure 4.</a:t>
-            </a:r>
-          </a:p>
-        </p:txBody>
-      </p:sp>
-      <p:sp>
-        <p:nvSpPr>
-          <p:cNvPr id="50" name="TextBox 49">
-            <a:extLst>
-              <a:ext uri="{FF2B5EF4-FFF2-40B4-BE49-F238E27FC236}">
-                <a16:creationId xmlns:a16="http://schemas.microsoft.com/office/drawing/2014/main" id="{98898637-9A7E-A9F1-44DF-80BE0E3CB92B}"/>
-              </a:ext>
-            </a:extLst>
-          </p:cNvPr>
-          <p:cNvSpPr txBox="1"/>
-          <p:nvPr/>
-        </p:nvSpPr>
-        <p:spPr>
-          <a:xfrm>
-            <a:off x="8254862" y="2008229"/>
-            <a:ext cx="3690390" cy="1569660"/>
-          </a:xfrm>
-          <a:prstGeom prst="rect">
-            <a:avLst/>
-          </a:prstGeom>
-          <a:noFill/>
-        </p:spPr>
-        <p:txBody>
-          <a:bodyPr wrap="square" rtlCol="0">
-            <a:spAutoFit/>
-          </a:bodyPr>
-          <a:lstStyle/>
-          <a:p>
-            <a:pPr marL="285750" indent="-285750">
-              <a:buFont typeface="Wingdings" pitchFamily="2" charset="2"/>
-              <a:buChar char="Ø"/>
-            </a:pPr>
-            <a:r>
-              <a:rPr lang="en-US" sz="1600" dirty="0"/>
-              <a:t>Quantum preprocessing layer via either quantum feature extraction or a </a:t>
-            </a:r>
-            <a:r>
-              <a:rPr lang="en-US" sz="1600" dirty="0" err="1"/>
-              <a:t>quanvolutional</a:t>
-            </a:r>
-            <a:r>
-              <a:rPr lang="en-US" sz="1600" dirty="0"/>
-              <a:t> layer [3] + classical preprocessing (VHN) layer increases precision-recall area under curve</a:t>
-            </a:r>
-          </a:p>
-          <a:p>
-            <a:pPr marL="285750" indent="-285750">
-              <a:buFont typeface="Wingdings" pitchFamily="2" charset="2"/>
-              <a:buChar char="Ø"/>
-            </a:pPr>
-            <a:endParaRPr lang="en-US" sz="1600" dirty="0"/>
-          </a:p>
-        </p:txBody>
-      </p:sp>
       <p:sp>
         <p:nvSpPr>
           <p:cNvPr id="52" name="TextBox 51">
@@ -7893,8 +7648,8 @@
         </p:nvSpPr>
         <p:spPr>
           <a:xfrm>
-            <a:off x="8198549" y="4517336"/>
-            <a:ext cx="3779939" cy="1477328"/>
+            <a:off x="8190067" y="4439962"/>
+            <a:ext cx="3779939" cy="1754326"/>
           </a:xfrm>
           <a:prstGeom prst="rect">
             <a:avLst/>
@@ -7908,57 +7663,42 @@
           <a:lstStyle/>
           <a:p>
             <a:r>
-              <a:rPr lang="en-US" sz="1200" dirty="0"/>
-              <a:t>[1] </a:t>
-            </a:r>
-            <a:r>
-              <a:rPr lang="en-US" sz="1100" dirty="0"/>
-              <a:t>G. </a:t>
-            </a:r>
-            <a:r>
-              <a:rPr lang="en-US" sz="1100" dirty="0" err="1"/>
+              <a:rPr lang="en-US" sz="900" dirty="0"/>
+              <a:t>[1] G. </a:t>
+            </a:r>
+            <a:r>
+              <a:rPr lang="en-US" sz="900" dirty="0" err="1"/>
               <a:t>Vetaw</a:t>
             </a:r>
             <a:r>
-              <a:rPr lang="en-US" sz="1100" dirty="0"/>
+              <a:rPr lang="en-US" sz="900" dirty="0"/>
               <a:t>, “</a:t>
             </a:r>
             <a:r>
-              <a:rPr lang="en-US" sz="1100" dirty="0">
+              <a:rPr lang="en-US" sz="900" dirty="0">
                 <a:effectLst/>
                 <a:latin typeface="NimbusRomNo9L"/>
               </a:rPr>
               <a:t>Volumetric Hadamard Normalization for Sub-Bottom SAS ATR”</a:t>
             </a:r>
-            <a:endParaRPr lang="en-US" sz="1200" dirty="0">
-              <a:effectLst/>
-              <a:latin typeface="NimbusRomNo9L"/>
-            </a:endParaRPr>
-          </a:p>
-          <a:p>
-            <a:r>
-              <a:rPr lang="en-US" sz="1200" dirty="0">
+          </a:p>
+          <a:p>
+            <a:r>
+              <a:rPr lang="en-US" sz="900" dirty="0">
                 <a:effectLst/>
                 <a:latin typeface="NimbusRomNo9L"/>
               </a:rPr>
-              <a:t>[2] </a:t>
-            </a:r>
-            <a:r>
-              <a:rPr lang="en-US" sz="1100" dirty="0">
-                <a:effectLst/>
-                <a:latin typeface="NimbusRomNo9L"/>
-              </a:rPr>
-              <a:t>D. Williams and D. Brown, “New target detection algorithms for volumetric synthetic aperture sonar data,” </a:t>
-            </a:r>
-            <a:r>
-              <a:rPr lang="en-US" sz="1100" i="1" dirty="0">
+              <a:t>[2] D. Williams and D. Brown, “New target detection algorithms for volumetric synthetic aperture sonar data,” </a:t>
+            </a:r>
+            <a:r>
+              <a:rPr lang="en-US" sz="900" i="1" dirty="0">
                 <a:effectLst/>
                 <a:latin typeface="NimbusRomNo9L"/>
               </a:rPr>
               <a:t>Proc. of Meetings on Acoustics</a:t>
             </a:r>
             <a:r>
-              <a:rPr lang="en-US" sz="1100" dirty="0">
+              <a:rPr lang="en-US" sz="900" dirty="0">
                 <a:effectLst/>
                 <a:latin typeface="NimbusRomNo9L"/>
               </a:rPr>
@@ -7967,38 +7707,579 @@
           </a:p>
           <a:p>
             <a:r>
-              <a:rPr lang="en-US" sz="1100" dirty="0">
+              <a:rPr lang="en-US" sz="900" dirty="0">
                 <a:latin typeface="NimbusRomNo9L"/>
               </a:rPr>
               <a:t>[3] </a:t>
             </a:r>
             <a:r>
-              <a:rPr lang="en-US" sz="1100" dirty="0">
+              <a:rPr lang="en-US" sz="900" dirty="0">
                 <a:effectLst/>
                 <a:latin typeface="NimbusRomNo9L"/>
               </a:rPr>
               <a:t>Henderson, Maxwell P. et al. “</a:t>
             </a:r>
             <a:r>
-              <a:rPr lang="en-US" sz="1100" dirty="0" err="1">
+              <a:rPr lang="en-US" sz="900" dirty="0" err="1">
                 <a:effectLst/>
                 <a:latin typeface="NimbusRomNo9L"/>
               </a:rPr>
               <a:t>Quanvolutional</a:t>
             </a:r>
             <a:r>
-              <a:rPr lang="en-US" sz="1100" dirty="0">
+              <a:rPr lang="en-US" sz="900" dirty="0">
                 <a:effectLst/>
                 <a:latin typeface="NimbusRomNo9L"/>
               </a:rPr>
               <a:t> Neural networks: powering image recognition with quantum circuits.” </a:t>
             </a:r>
             <a:r>
-              <a:rPr lang="en-US" sz="1100" i="1" dirty="0">
+              <a:rPr lang="en-US" sz="900" i="1" dirty="0">
                 <a:effectLst/>
                 <a:latin typeface="NimbusRomNo9L"/>
               </a:rPr>
               <a:t>Quantum Machine Intelligence 2, 2019</a:t>
+            </a:r>
+          </a:p>
+          <a:p>
+            <a:r>
+              <a:rPr lang="en-US" sz="900" i="1" dirty="0">
+                <a:effectLst/>
+                <a:latin typeface="NimbusRomNo9L"/>
+              </a:rPr>
+              <a:t>[4] Uehara, G. S., </a:t>
+            </a:r>
+            <a:r>
+              <a:rPr lang="en-US" sz="900" i="1" dirty="0" err="1">
+                <a:effectLst/>
+                <a:latin typeface="NimbusRomNo9L"/>
+              </a:rPr>
+              <a:t>Spanias</a:t>
+            </a:r>
+            <a:r>
+              <a:rPr lang="en-US" sz="900" i="1" dirty="0">
+                <a:effectLst/>
+                <a:latin typeface="NimbusRomNo9L"/>
+              </a:rPr>
+              <a:t>, A., &amp; Clark, W.. Quantum information processing algorithms with emphasis on machine learning. In IEEE IISA, July 2021.</a:t>
+            </a:r>
+          </a:p>
+          <a:p>
+            <a:r>
+              <a:rPr lang="en-US" sz="900" i="1" dirty="0">
+                <a:effectLst/>
+                <a:latin typeface="NimbusRomNo9L"/>
+              </a:rPr>
+              <a:t>[5] Miller, L., Uehara, G., &amp; </a:t>
+            </a:r>
+            <a:r>
+              <a:rPr lang="en-US" sz="900" i="1" dirty="0" err="1">
+                <a:effectLst/>
+                <a:latin typeface="NimbusRomNo9L"/>
+              </a:rPr>
+              <a:t>Spanias</a:t>
+            </a:r>
+            <a:r>
+              <a:rPr lang="en-US" sz="900" i="1" dirty="0">
+                <a:effectLst/>
+                <a:latin typeface="NimbusRomNo9L"/>
+              </a:rPr>
+              <a:t>, A. (2024, March). Quantum Image Fusion Methods for Remote Sensing. In 2024 IEEE Aerospace Conference (pp. 1-9). IEEE.</a:t>
+            </a:r>
+          </a:p>
+        </p:txBody>
+      </p:sp>
+      <p:pic>
+        <p:nvPicPr>
+          <p:cNvPr id="54" name="Picture 53">
+            <a:extLst>
+              <a:ext uri="{FF2B5EF4-FFF2-40B4-BE49-F238E27FC236}">
+                <a16:creationId xmlns:a16="http://schemas.microsoft.com/office/drawing/2014/main" id="{DD1C1F73-61AE-1FA4-EE84-1C8B6C665F0F}"/>
+              </a:ext>
+            </a:extLst>
+          </p:cNvPr>
+          <p:cNvPicPr>
+            <a:picLocks noChangeAspect="1"/>
+          </p:cNvPicPr>
+          <p:nvPr/>
+        </p:nvPicPr>
+        <p:blipFill>
+          <a:blip r:embed="rId11"/>
+          <a:stretch>
+            <a:fillRect/>
+          </a:stretch>
+        </p:blipFill>
+        <p:spPr>
+          <a:xfrm>
+            <a:off x="4454996" y="1923102"/>
+            <a:ext cx="686649" cy="669043"/>
+          </a:xfrm>
+          <a:prstGeom prst="rect">
+            <a:avLst/>
+          </a:prstGeom>
+        </p:spPr>
+      </p:pic>
+      <p:sp>
+        <p:nvSpPr>
+          <p:cNvPr id="55" name="TextBox 54">
+            <a:extLst>
+              <a:ext uri="{FF2B5EF4-FFF2-40B4-BE49-F238E27FC236}">
+                <a16:creationId xmlns:a16="http://schemas.microsoft.com/office/drawing/2014/main" id="{75CE4979-94EA-72DD-6AF1-454890C8E16E}"/>
+              </a:ext>
+            </a:extLst>
+          </p:cNvPr>
+          <p:cNvSpPr txBox="1"/>
+          <p:nvPr/>
+        </p:nvSpPr>
+        <p:spPr>
+          <a:xfrm>
+            <a:off x="5036556" y="2121809"/>
+            <a:ext cx="986167" cy="215444"/>
+          </a:xfrm>
+          <a:prstGeom prst="rect">
+            <a:avLst/>
+          </a:prstGeom>
+          <a:noFill/>
+        </p:spPr>
+        <p:txBody>
+          <a:bodyPr wrap="none" rtlCol="0">
+            <a:spAutoFit/>
+          </a:bodyPr>
+          <a:lstStyle/>
+          <a:p>
+            <a:r>
+              <a:rPr lang="en-US" sz="800" dirty="0"/>
+              <a:t>…………………………….</a:t>
+            </a:r>
+          </a:p>
+        </p:txBody>
+      </p:sp>
+      <p:sp>
+        <p:nvSpPr>
+          <p:cNvPr id="56" name="TextBox 55">
+            <a:extLst>
+              <a:ext uri="{FF2B5EF4-FFF2-40B4-BE49-F238E27FC236}">
+                <a16:creationId xmlns:a16="http://schemas.microsoft.com/office/drawing/2014/main" id="{C5A54353-0BCF-BA3B-A785-3586058ABF6B}"/>
+              </a:ext>
+            </a:extLst>
+          </p:cNvPr>
+          <p:cNvSpPr txBox="1"/>
+          <p:nvPr/>
+        </p:nvSpPr>
+        <p:spPr>
+          <a:xfrm rot="5400000">
+            <a:off x="6674698" y="2758438"/>
+            <a:ext cx="704039" cy="215444"/>
+          </a:xfrm>
+          <a:prstGeom prst="rect">
+            <a:avLst/>
+          </a:prstGeom>
+          <a:noFill/>
+        </p:spPr>
+        <p:txBody>
+          <a:bodyPr wrap="none" rtlCol="0">
+            <a:spAutoFit/>
+          </a:bodyPr>
+          <a:lstStyle/>
+          <a:p>
+            <a:r>
+              <a:rPr lang="en-US" sz="800" dirty="0"/>
+              <a:t>………………….</a:t>
+            </a:r>
+          </a:p>
+        </p:txBody>
+      </p:sp>
+      <p:pic>
+        <p:nvPicPr>
+          <p:cNvPr id="57" name="Picture 56">
+            <a:extLst>
+              <a:ext uri="{FF2B5EF4-FFF2-40B4-BE49-F238E27FC236}">
+                <a16:creationId xmlns:a16="http://schemas.microsoft.com/office/drawing/2014/main" id="{CA8B9E26-5452-B1D4-9B9A-6E6411508DF0}"/>
+              </a:ext>
+            </a:extLst>
+          </p:cNvPr>
+          <p:cNvPicPr>
+            <a:picLocks noChangeAspect="1"/>
+          </p:cNvPicPr>
+          <p:nvPr/>
+        </p:nvPicPr>
+        <p:blipFill rotWithShape="1">
+          <a:blip r:embed="rId12"/>
+          <a:srcRect r="69999"/>
+          <a:stretch/>
+        </p:blipFill>
+        <p:spPr>
+          <a:xfrm>
+            <a:off x="6297094" y="2888951"/>
+            <a:ext cx="1247727" cy="1066176"/>
+          </a:xfrm>
+          <a:prstGeom prst="rect">
+            <a:avLst/>
+          </a:prstGeom>
+        </p:spPr>
+      </p:pic>
+      <p:sp>
+        <p:nvSpPr>
+          <p:cNvPr id="58" name="TextBox 57">
+            <a:extLst>
+              <a:ext uri="{FF2B5EF4-FFF2-40B4-BE49-F238E27FC236}">
+                <a16:creationId xmlns:a16="http://schemas.microsoft.com/office/drawing/2014/main" id="{7EED40C9-03DF-2955-FD7B-3E5FDA66D7E7}"/>
+              </a:ext>
+            </a:extLst>
+          </p:cNvPr>
+          <p:cNvSpPr txBox="1"/>
+          <p:nvPr/>
+        </p:nvSpPr>
+        <p:spPr>
+          <a:xfrm>
+            <a:off x="5313788" y="3980275"/>
+            <a:ext cx="1774845" cy="215444"/>
+          </a:xfrm>
+          <a:prstGeom prst="rect">
+            <a:avLst/>
+          </a:prstGeom>
+          <a:noFill/>
+        </p:spPr>
+        <p:txBody>
+          <a:bodyPr wrap="none" rtlCol="0">
+            <a:spAutoFit/>
+          </a:bodyPr>
+          <a:lstStyle/>
+          <a:p>
+            <a:r>
+              <a:rPr lang="en-US" sz="800" dirty="0"/>
+              <a:t>…………………..……………………………….…….</a:t>
+            </a:r>
+          </a:p>
+        </p:txBody>
+      </p:sp>
+      <p:sp>
+        <p:nvSpPr>
+          <p:cNvPr id="59" name="TextBox 58">
+            <a:extLst>
+              <a:ext uri="{FF2B5EF4-FFF2-40B4-BE49-F238E27FC236}">
+                <a16:creationId xmlns:a16="http://schemas.microsoft.com/office/drawing/2014/main" id="{E965213A-31E0-9C02-90DE-A6C8DBF12C65}"/>
+              </a:ext>
+            </a:extLst>
+          </p:cNvPr>
+          <p:cNvSpPr txBox="1"/>
+          <p:nvPr/>
+        </p:nvSpPr>
+        <p:spPr>
+          <a:xfrm rot="5400000">
+            <a:off x="5114374" y="3791434"/>
+            <a:ext cx="614271" cy="215444"/>
+          </a:xfrm>
+          <a:prstGeom prst="rect">
+            <a:avLst/>
+          </a:prstGeom>
+          <a:noFill/>
+        </p:spPr>
+        <p:txBody>
+          <a:bodyPr wrap="none" rtlCol="0">
+            <a:spAutoFit/>
+          </a:bodyPr>
+          <a:lstStyle/>
+          <a:p>
+            <a:r>
+              <a:rPr lang="en-US" sz="800" dirty="0"/>
+              <a:t>…….…..……</a:t>
+            </a:r>
+          </a:p>
+        </p:txBody>
+      </p:sp>
+      <p:sp>
+        <p:nvSpPr>
+          <p:cNvPr id="61" name="TextBox 60">
+            <a:extLst>
+              <a:ext uri="{FF2B5EF4-FFF2-40B4-BE49-F238E27FC236}">
+                <a16:creationId xmlns:a16="http://schemas.microsoft.com/office/drawing/2014/main" id="{40D8B77F-B319-88F1-20A3-5A375EC9EEC4}"/>
+              </a:ext>
+            </a:extLst>
+          </p:cNvPr>
+          <p:cNvSpPr txBox="1"/>
+          <p:nvPr/>
+        </p:nvSpPr>
+        <p:spPr>
+          <a:xfrm rot="5400000">
+            <a:off x="6851121" y="3939561"/>
+            <a:ext cx="332142" cy="215444"/>
+          </a:xfrm>
+          <a:prstGeom prst="rect">
+            <a:avLst/>
+          </a:prstGeom>
+          <a:noFill/>
+        </p:spPr>
+        <p:txBody>
+          <a:bodyPr wrap="none" rtlCol="0">
+            <a:spAutoFit/>
+          </a:bodyPr>
+          <a:lstStyle/>
+          <a:p>
+            <a:r>
+              <a:rPr lang="en-US" sz="800" dirty="0"/>
+              <a:t>..….</a:t>
+            </a:r>
+          </a:p>
+        </p:txBody>
+      </p:sp>
+      <p:sp>
+        <p:nvSpPr>
+          <p:cNvPr id="62" name="TextBox 61">
+            <a:extLst>
+              <a:ext uri="{FF2B5EF4-FFF2-40B4-BE49-F238E27FC236}">
+                <a16:creationId xmlns:a16="http://schemas.microsoft.com/office/drawing/2014/main" id="{CFBE6D79-C208-1685-2DB5-D5CA9B16159F}"/>
+              </a:ext>
+            </a:extLst>
+          </p:cNvPr>
+          <p:cNvSpPr txBox="1"/>
+          <p:nvPr/>
+        </p:nvSpPr>
+        <p:spPr>
+          <a:xfrm rot="5400000">
+            <a:off x="5965919" y="4089905"/>
+            <a:ext cx="351378" cy="215444"/>
+          </a:xfrm>
+          <a:prstGeom prst="rect">
+            <a:avLst/>
+          </a:prstGeom>
+          <a:noFill/>
+        </p:spPr>
+        <p:txBody>
+          <a:bodyPr wrap="none" rtlCol="0">
+            <a:spAutoFit/>
+          </a:bodyPr>
+          <a:lstStyle/>
+          <a:p>
+            <a:r>
+              <a:rPr lang="en-US" sz="800" dirty="0"/>
+              <a:t>…….</a:t>
+            </a:r>
+          </a:p>
+        </p:txBody>
+      </p:sp>
+      <p:sp>
+        <p:nvSpPr>
+          <p:cNvPr id="63" name="TextBox 62">
+            <a:extLst>
+              <a:ext uri="{FF2B5EF4-FFF2-40B4-BE49-F238E27FC236}">
+                <a16:creationId xmlns:a16="http://schemas.microsoft.com/office/drawing/2014/main" id="{F4E953F6-4EBC-0AE0-6358-978DB6F5EA90}"/>
+              </a:ext>
+            </a:extLst>
+          </p:cNvPr>
+          <p:cNvSpPr txBox="1"/>
+          <p:nvPr/>
+        </p:nvSpPr>
+        <p:spPr>
+          <a:xfrm>
+            <a:off x="4540490" y="5415453"/>
+            <a:ext cx="3013710" cy="369332"/>
+          </a:xfrm>
+          <a:prstGeom prst="rect">
+            <a:avLst/>
+          </a:prstGeom>
+          <a:noFill/>
+        </p:spPr>
+        <p:txBody>
+          <a:bodyPr wrap="none" rtlCol="0">
+            <a:spAutoFit/>
+          </a:bodyPr>
+          <a:lstStyle/>
+          <a:p>
+            <a:r>
+              <a:rPr lang="en-US" b="1" dirty="0"/>
+              <a:t>Proposed Hybrid Architecture</a:t>
+            </a:r>
+          </a:p>
+        </p:txBody>
+      </p:sp>
+      <p:sp>
+        <p:nvSpPr>
+          <p:cNvPr id="1024" name="TextBox 1023">
+            <a:extLst>
+              <a:ext uri="{FF2B5EF4-FFF2-40B4-BE49-F238E27FC236}">
+                <a16:creationId xmlns:a16="http://schemas.microsoft.com/office/drawing/2014/main" id="{2D44AC00-CCC1-1935-998D-05CD5A9266C0}"/>
+              </a:ext>
+            </a:extLst>
+          </p:cNvPr>
+          <p:cNvSpPr txBox="1"/>
+          <p:nvPr/>
+        </p:nvSpPr>
+        <p:spPr>
+          <a:xfrm rot="16200000">
+            <a:off x="4199993" y="2110857"/>
+            <a:ext cx="442750" cy="230832"/>
+          </a:xfrm>
+          <a:prstGeom prst="rect">
+            <a:avLst/>
+          </a:prstGeom>
+          <a:noFill/>
+        </p:spPr>
+        <p:txBody>
+          <a:bodyPr wrap="none" rtlCol="0">
+            <a:spAutoFit/>
+          </a:bodyPr>
+          <a:lstStyle/>
+          <a:p>
+            <a:r>
+              <a:rPr lang="en-US" sz="900" b="1" dirty="0"/>
+              <a:t>Input</a:t>
+            </a:r>
+          </a:p>
+        </p:txBody>
+      </p:sp>
+      <p:pic>
+        <p:nvPicPr>
+          <p:cNvPr id="1025" name="Picture 1024" descr="A graph of a graph showing the value of a number of num filters&#10;&#10;Description automatically generated with medium confidence">
+            <a:extLst>
+              <a:ext uri="{FF2B5EF4-FFF2-40B4-BE49-F238E27FC236}">
+                <a16:creationId xmlns:a16="http://schemas.microsoft.com/office/drawing/2014/main" id="{71300330-07AD-21FF-285D-7A732B02D54D}"/>
+              </a:ext>
+            </a:extLst>
+          </p:cNvPr>
+          <p:cNvPicPr>
+            <a:picLocks noChangeAspect="1"/>
+          </p:cNvPicPr>
+          <p:nvPr/>
+        </p:nvPicPr>
+        <p:blipFill rotWithShape="1">
+          <a:blip r:embed="rId13">
+            <a:extLst>
+              <a:ext uri="{28A0092B-C50C-407E-A947-70E740481C1C}">
+                <a14:useLocalDpi xmlns:a14="http://schemas.microsoft.com/office/drawing/2010/main" val="0"/>
+              </a:ext>
+            </a:extLst>
+          </a:blip>
+          <a:srcRect l="1468" t="1344" r="2223" b="49535"/>
+          <a:stretch/>
+        </p:blipFill>
+        <p:spPr>
+          <a:xfrm>
+            <a:off x="10429727" y="1946128"/>
+            <a:ext cx="1470601" cy="955642"/>
+          </a:xfrm>
+          <a:prstGeom prst="rect">
+            <a:avLst/>
+          </a:prstGeom>
+          <a:ln>
+            <a:solidFill>
+              <a:schemeClr val="tx1"/>
+            </a:solidFill>
+          </a:ln>
+        </p:spPr>
+      </p:pic>
+      <p:pic>
+        <p:nvPicPr>
+          <p:cNvPr id="1027" name="Picture 1026">
+            <a:extLst>
+              <a:ext uri="{FF2B5EF4-FFF2-40B4-BE49-F238E27FC236}">
+                <a16:creationId xmlns:a16="http://schemas.microsoft.com/office/drawing/2014/main" id="{A66A3187-2805-E954-EC01-04C1A40F8F34}"/>
+              </a:ext>
+            </a:extLst>
+          </p:cNvPr>
+          <p:cNvPicPr>
+            <a:picLocks noChangeAspect="1"/>
+          </p:cNvPicPr>
+          <p:nvPr/>
+        </p:nvPicPr>
+        <p:blipFill>
+          <a:blip r:embed="rId14"/>
+          <a:stretch>
+            <a:fillRect/>
+          </a:stretch>
+        </p:blipFill>
+        <p:spPr>
+          <a:xfrm>
+            <a:off x="10429727" y="3029962"/>
+            <a:ext cx="1470601" cy="915473"/>
+          </a:xfrm>
+          <a:prstGeom prst="rect">
+            <a:avLst/>
+          </a:prstGeom>
+        </p:spPr>
+      </p:pic>
+      <p:sp>
+        <p:nvSpPr>
+          <p:cNvPr id="1028" name="TextBox 1027">
+            <a:extLst>
+              <a:ext uri="{FF2B5EF4-FFF2-40B4-BE49-F238E27FC236}">
+                <a16:creationId xmlns:a16="http://schemas.microsoft.com/office/drawing/2014/main" id="{87ED9973-F826-129A-D551-E0043D7CED44}"/>
+              </a:ext>
+            </a:extLst>
+          </p:cNvPr>
+          <p:cNvSpPr txBox="1"/>
+          <p:nvPr/>
+        </p:nvSpPr>
+        <p:spPr>
+          <a:xfrm>
+            <a:off x="8229337" y="1896044"/>
+            <a:ext cx="2365269" cy="1077218"/>
+          </a:xfrm>
+          <a:prstGeom prst="rect">
+            <a:avLst/>
+          </a:prstGeom>
+          <a:noFill/>
+        </p:spPr>
+        <p:txBody>
+          <a:bodyPr wrap="square" rtlCol="0">
+            <a:spAutoFit/>
+          </a:bodyPr>
+          <a:lstStyle/>
+          <a:p>
+            <a:r>
+              <a:rPr lang="en-US" sz="1600" b="1" dirty="0"/>
+              <a:t>Pictured: </a:t>
+            </a:r>
+            <a:r>
+              <a:rPr lang="en-US" sz="1600" dirty="0"/>
+              <a:t>Quantum convolutional kernels increasing accuracy </a:t>
+            </a:r>
+            <a:r>
+              <a:rPr lang="en-US" sz="1600" dirty="0" err="1"/>
+              <a:t>w.r.t</a:t>
+            </a:r>
+            <a:r>
+              <a:rPr lang="en-US" sz="1600" dirty="0"/>
+              <a:t> filter count</a:t>
+            </a:r>
+          </a:p>
+        </p:txBody>
+      </p:sp>
+      <p:sp>
+        <p:nvSpPr>
+          <p:cNvPr id="1029" name="TextBox 1028">
+            <a:extLst>
+              <a:ext uri="{FF2B5EF4-FFF2-40B4-BE49-F238E27FC236}">
+                <a16:creationId xmlns:a16="http://schemas.microsoft.com/office/drawing/2014/main" id="{B49BB515-EF19-C166-F5C1-8DDF9244B62D}"/>
+              </a:ext>
+            </a:extLst>
+          </p:cNvPr>
+          <p:cNvSpPr txBox="1"/>
+          <p:nvPr/>
+        </p:nvSpPr>
+        <p:spPr>
+          <a:xfrm>
+            <a:off x="8227444" y="2992226"/>
+            <a:ext cx="2365269" cy="1077218"/>
+          </a:xfrm>
+          <a:prstGeom prst="rect">
+            <a:avLst/>
+          </a:prstGeom>
+          <a:noFill/>
+        </p:spPr>
+        <p:txBody>
+          <a:bodyPr wrap="square" rtlCol="0">
+            <a:spAutoFit/>
+          </a:bodyPr>
+          <a:lstStyle/>
+          <a:p>
+            <a:r>
+              <a:rPr lang="en-US" sz="1600" b="1" dirty="0"/>
+              <a:t>Pictured: </a:t>
+            </a:r>
+            <a:r>
+              <a:rPr lang="en-US" sz="1600" dirty="0"/>
+              <a:t>CNN performance with preprocessing (left) and without (right)</a:t>
             </a:r>
           </a:p>
         </p:txBody>

--- a/presentations/Chris_Su_Elevator_Pitch.pptx
+++ b/presentations/Chris_Su_Elevator_Pitch.pptx
@@ -210,7 +210,7 @@
             <a:fld id="{4AD755A8-12C4-4B41-95E7-F41282D5620B}" type="datetimeFigureOut">
               <a:rPr lang="en-US" smtClean="0"/>
               <a:pPr/>
-              <a:t>6/7/24</a:t>
+              <a:t>6/20/24</a:t>
             </a:fld>
             <a:endParaRPr lang="en-US"/>
           </a:p>
@@ -698,7 +698,7 @@
             <a:fld id="{A7402544-FC00-436D-A3C9-43EF2162B288}" type="datetimeFigureOut">
               <a:rPr lang="en-US" smtClean="0"/>
               <a:pPr/>
-              <a:t>6/7/24</a:t>
+              <a:t>6/20/24</a:t>
             </a:fld>
             <a:endParaRPr lang="en-US"/>
           </a:p>
@@ -868,7 +868,7 @@
             <a:fld id="{A7402544-FC00-436D-A3C9-43EF2162B288}" type="datetimeFigureOut">
               <a:rPr lang="en-US" smtClean="0"/>
               <a:pPr/>
-              <a:t>6/7/24</a:t>
+              <a:t>6/20/24</a:t>
             </a:fld>
             <a:endParaRPr lang="en-US"/>
           </a:p>
@@ -1048,7 +1048,7 @@
             <a:fld id="{A7402544-FC00-436D-A3C9-43EF2162B288}" type="datetimeFigureOut">
               <a:rPr lang="en-US" smtClean="0"/>
               <a:pPr/>
-              <a:t>6/7/24</a:t>
+              <a:t>6/20/24</a:t>
             </a:fld>
             <a:endParaRPr lang="en-US"/>
           </a:p>
@@ -1167,7 +1167,7 @@
             <a:fld id="{A7402544-FC00-436D-A3C9-43EF2162B288}" type="datetimeFigureOut">
               <a:rPr lang="en-US" smtClean="0"/>
               <a:pPr/>
-              <a:t>6/7/24</a:t>
+              <a:t>6/20/24</a:t>
             </a:fld>
             <a:endParaRPr lang="en-US"/>
           </a:p>
@@ -1403,7 +1403,7 @@
           <a:p>
             <a:fld id="{B28E1476-FAE6-44C2-ADB4-8871FD3A0A7E}" type="datetimeFigureOut">
               <a:rPr lang="en-US" smtClean="0"/>
-              <a:t>6/7/24</a:t>
+              <a:t>6/20/24</a:t>
             </a:fld>
             <a:endParaRPr lang="en-US"/>
           </a:p>
@@ -1566,7 +1566,7 @@
           <a:p>
             <a:fld id="{B28E1476-FAE6-44C2-ADB4-8871FD3A0A7E}" type="datetimeFigureOut">
               <a:rPr lang="en-US" smtClean="0"/>
-              <a:t>6/7/24</a:t>
+              <a:t>6/20/24</a:t>
             </a:fld>
             <a:endParaRPr lang="en-US"/>
           </a:p>
@@ -1806,7 +1806,7 @@
           <a:p>
             <a:fld id="{B28E1476-FAE6-44C2-ADB4-8871FD3A0A7E}" type="datetimeFigureOut">
               <a:rPr lang="en-US" smtClean="0"/>
-              <a:t>6/7/24</a:t>
+              <a:t>6/20/24</a:t>
             </a:fld>
             <a:endParaRPr lang="en-US"/>
           </a:p>
@@ -2086,7 +2086,7 @@
           <a:p>
             <a:fld id="{B28E1476-FAE6-44C2-ADB4-8871FD3A0A7E}" type="datetimeFigureOut">
               <a:rPr lang="en-US" smtClean="0"/>
-              <a:t>6/7/24</a:t>
+              <a:t>6/20/24</a:t>
             </a:fld>
             <a:endParaRPr lang="en-US"/>
           </a:p>
@@ -2500,7 +2500,7 @@
           <a:p>
             <a:fld id="{B28E1476-FAE6-44C2-ADB4-8871FD3A0A7E}" type="datetimeFigureOut">
               <a:rPr lang="en-US" smtClean="0"/>
-              <a:t>6/7/24</a:t>
+              <a:t>6/20/24</a:t>
             </a:fld>
             <a:endParaRPr lang="en-US"/>
           </a:p>
@@ -2612,7 +2612,7 @@
           <a:p>
             <a:fld id="{B28E1476-FAE6-44C2-ADB4-8871FD3A0A7E}" type="datetimeFigureOut">
               <a:rPr lang="en-US" smtClean="0"/>
-              <a:t>6/7/24</a:t>
+              <a:t>6/20/24</a:t>
             </a:fld>
             <a:endParaRPr lang="en-US"/>
           </a:p>
@@ -2702,7 +2702,7 @@
           <a:p>
             <a:fld id="{B28E1476-FAE6-44C2-ADB4-8871FD3A0A7E}" type="datetimeFigureOut">
               <a:rPr lang="en-US" smtClean="0"/>
-              <a:t>6/7/24</a:t>
+              <a:t>6/20/24</a:t>
             </a:fld>
             <a:endParaRPr lang="en-US"/>
           </a:p>
@@ -2866,7 +2866,7 @@
             <a:fld id="{A7402544-FC00-436D-A3C9-43EF2162B288}" type="datetimeFigureOut">
               <a:rPr lang="en-US" smtClean="0"/>
               <a:pPr/>
-              <a:t>6/7/24</a:t>
+              <a:t>6/20/24</a:t>
             </a:fld>
             <a:endParaRPr lang="en-US"/>
           </a:p>
@@ -3142,7 +3142,7 @@
           <a:p>
             <a:fld id="{B28E1476-FAE6-44C2-ADB4-8871FD3A0A7E}" type="datetimeFigureOut">
               <a:rPr lang="en-US" smtClean="0"/>
-              <a:t>6/7/24</a:t>
+              <a:t>6/20/24</a:t>
             </a:fld>
             <a:endParaRPr lang="en-US"/>
           </a:p>
@@ -3389,7 +3389,7 @@
           <a:p>
             <a:fld id="{B28E1476-FAE6-44C2-ADB4-8871FD3A0A7E}" type="datetimeFigureOut">
               <a:rPr lang="en-US" smtClean="0"/>
-              <a:t>6/7/24</a:t>
+              <a:t>6/20/24</a:t>
             </a:fld>
             <a:endParaRPr lang="en-US"/>
           </a:p>
@@ -3552,7 +3552,7 @@
           <a:p>
             <a:fld id="{B28E1476-FAE6-44C2-ADB4-8871FD3A0A7E}" type="datetimeFigureOut">
               <a:rPr lang="en-US" smtClean="0"/>
-              <a:t>6/7/24</a:t>
+              <a:t>6/20/24</a:t>
             </a:fld>
             <a:endParaRPr lang="en-US"/>
           </a:p>
@@ -3725,7 +3725,7 @@
           <a:p>
             <a:fld id="{B28E1476-FAE6-44C2-ADB4-8871FD3A0A7E}" type="datetimeFigureOut">
               <a:rPr lang="en-US" smtClean="0"/>
-              <a:t>6/7/24</a:t>
+              <a:t>6/20/24</a:t>
             </a:fld>
             <a:endParaRPr lang="en-US"/>
           </a:p>
@@ -3966,7 +3966,7 @@
             <a:fld id="{A7402544-FC00-436D-A3C9-43EF2162B288}" type="datetimeFigureOut">
               <a:rPr lang="en-US" smtClean="0"/>
               <a:pPr/>
-              <a:t>6/7/24</a:t>
+              <a:t>6/20/24</a:t>
             </a:fld>
             <a:endParaRPr lang="en-US"/>
           </a:p>
@@ -4197,7 +4197,7 @@
             <a:fld id="{A7402544-FC00-436D-A3C9-43EF2162B288}" type="datetimeFigureOut">
               <a:rPr lang="en-US" smtClean="0"/>
               <a:pPr/>
-              <a:t>6/7/24</a:t>
+              <a:t>6/20/24</a:t>
             </a:fld>
             <a:endParaRPr lang="en-US"/>
           </a:p>
@@ -4563,7 +4563,7 @@
             <a:fld id="{A7402544-FC00-436D-A3C9-43EF2162B288}" type="datetimeFigureOut">
               <a:rPr lang="en-US" smtClean="0"/>
               <a:pPr/>
-              <a:t>6/7/24</a:t>
+              <a:t>6/20/24</a:t>
             </a:fld>
             <a:endParaRPr lang="en-US"/>
           </a:p>
@@ -4682,7 +4682,7 @@
             <a:fld id="{A7402544-FC00-436D-A3C9-43EF2162B288}" type="datetimeFigureOut">
               <a:rPr lang="en-US" smtClean="0"/>
               <a:pPr/>
-              <a:t>6/7/24</a:t>
+              <a:t>6/20/24</a:t>
             </a:fld>
             <a:endParaRPr lang="en-US"/>
           </a:p>
@@ -4779,7 +4779,7 @@
             <a:fld id="{A7402544-FC00-436D-A3C9-43EF2162B288}" type="datetimeFigureOut">
               <a:rPr lang="en-US" smtClean="0"/>
               <a:pPr/>
-              <a:t>6/7/24</a:t>
+              <a:t>6/20/24</a:t>
             </a:fld>
             <a:endParaRPr lang="en-US"/>
           </a:p>
@@ -5056,7 +5056,7 @@
             <a:fld id="{A7402544-FC00-436D-A3C9-43EF2162B288}" type="datetimeFigureOut">
               <a:rPr lang="en-US" smtClean="0"/>
               <a:pPr/>
-              <a:t>6/7/24</a:t>
+              <a:t>6/20/24</a:t>
             </a:fld>
             <a:endParaRPr lang="en-US"/>
           </a:p>
@@ -5310,7 +5310,7 @@
             <a:fld id="{A7402544-FC00-436D-A3C9-43EF2162B288}" type="datetimeFigureOut">
               <a:rPr lang="en-US" smtClean="0"/>
               <a:pPr/>
-              <a:t>6/7/24</a:t>
+              <a:t>6/20/24</a:t>
             </a:fld>
             <a:endParaRPr lang="en-US"/>
           </a:p>
@@ -5523,7 +5523,7 @@
             <a:fld id="{A7402544-FC00-436D-A3C9-43EF2162B288}" type="datetimeFigureOut">
               <a:rPr lang="en-US" smtClean="0"/>
               <a:pPr/>
-              <a:t>6/7/24</a:t>
+              <a:t>6/20/24</a:t>
             </a:fld>
             <a:endParaRPr lang="en-US"/>
           </a:p>
@@ -6063,7 +6063,7 @@
           <a:p>
             <a:fld id="{B28E1476-FAE6-44C2-ADB4-8871FD3A0A7E}" type="datetimeFigureOut">
               <a:rPr lang="en-US" smtClean="0"/>
-              <a:t>6/7/24</a:t>
+              <a:t>6/20/24</a:t>
             </a:fld>
             <a:endParaRPr lang="en-US"/>
           </a:p>
@@ -6927,7 +6927,7 @@
                 </a:solidFill>
                 <a:latin typeface="Calibri"/>
               </a:rPr>
-              <a:t>[1] Carnegie Mellon University [2] Imaging Lyceum Lab, Arizona State University [3] </a:t>
+              <a:t>[1] Carnegie Mellon University [2] Arizona State University [3] </a:t>
             </a:r>
             <a:r>
               <a:rPr lang="en-US" sz="1100" b="1" dirty="0" err="1">
@@ -7412,7 +7412,7 @@
             </a:pPr>
             <a:r>
               <a:rPr lang="en-US" sz="1600" dirty="0"/>
-              <a:t>Preprocessing data is crucial for the performance of statistical techniques in ML. Preprocessing layers have successfully been added to CNNs to improve PRAUC score [1]. </a:t>
+              <a:t>Preprocessing data is crucial for the performance of statistical techniques in ML. Preprocessing layers have successfully been added to CNNs to improve AUC-PR score [1]. </a:t>
             </a:r>
           </a:p>
           <a:p>
@@ -8155,8 +8155,8 @@
         </p:blipFill>
         <p:spPr>
           <a:xfrm>
-            <a:off x="10429727" y="1946128"/>
-            <a:ext cx="1470601" cy="955642"/>
+            <a:off x="10428828" y="1923136"/>
+            <a:ext cx="1564844" cy="1016884"/>
           </a:xfrm>
           <a:prstGeom prst="rect">
             <a:avLst/>
@@ -8190,8 +8190,8 @@
         </p:blipFill>
         <p:spPr>
           <a:xfrm>
-            <a:off x="10429727" y="3029962"/>
-            <a:ext cx="1470601" cy="915473"/>
+            <a:off x="10426321" y="3005347"/>
+            <a:ext cx="1569859" cy="977263"/>
           </a:xfrm>
           <a:prstGeom prst="rect">
             <a:avLst/>
